--- a/Dart/04/Slide.pptx
+++ b/Dart/04/Slide.pptx
@@ -321,7 +321,7 @@
             <a:fld id="{1D8BD707-D9CF-40AE-B4C6-C98DA3205C09}" type="datetimeFigureOut">
               <a:rPr lang="en-US" smtClean="0"/>
               <a:pPr/>
-              <a:t>10/20/2022</a:t>
+              <a:t>12/14/2022</a:t>
             </a:fld>
             <a:endParaRPr lang="en-US"/>
           </a:p>
@@ -486,7 +486,7 @@
             <a:fld id="{1D8BD707-D9CF-40AE-B4C6-C98DA3205C09}" type="datetimeFigureOut">
               <a:rPr lang="en-US" smtClean="0"/>
               <a:pPr/>
-              <a:t>10/20/2022</a:t>
+              <a:t>12/14/2022</a:t>
             </a:fld>
             <a:endParaRPr lang="en-US"/>
           </a:p>
@@ -661,7 +661,7 @@
             <a:fld id="{1D8BD707-D9CF-40AE-B4C6-C98DA3205C09}" type="datetimeFigureOut">
               <a:rPr lang="en-US" smtClean="0"/>
               <a:pPr/>
-              <a:t>10/20/2022</a:t>
+              <a:t>12/14/2022</a:t>
             </a:fld>
             <a:endParaRPr lang="en-US"/>
           </a:p>
@@ -826,7 +826,7 @@
             <a:fld id="{1D8BD707-D9CF-40AE-B4C6-C98DA3205C09}" type="datetimeFigureOut">
               <a:rPr lang="en-US" smtClean="0"/>
               <a:pPr/>
-              <a:t>10/20/2022</a:t>
+              <a:t>12/14/2022</a:t>
             </a:fld>
             <a:endParaRPr lang="en-US"/>
           </a:p>
@@ -1068,7 +1068,7 @@
             <a:fld id="{1D8BD707-D9CF-40AE-B4C6-C98DA3205C09}" type="datetimeFigureOut">
               <a:rPr lang="en-US" smtClean="0"/>
               <a:pPr/>
-              <a:t>10/20/2022</a:t>
+              <a:t>12/14/2022</a:t>
             </a:fld>
             <a:endParaRPr lang="en-US"/>
           </a:p>
@@ -1350,7 +1350,7 @@
             <a:fld id="{1D8BD707-D9CF-40AE-B4C6-C98DA3205C09}" type="datetimeFigureOut">
               <a:rPr lang="en-US" smtClean="0"/>
               <a:pPr/>
-              <a:t>10/20/2022</a:t>
+              <a:t>12/14/2022</a:t>
             </a:fld>
             <a:endParaRPr lang="en-US"/>
           </a:p>
@@ -1766,7 +1766,7 @@
             <a:fld id="{1D8BD707-D9CF-40AE-B4C6-C98DA3205C09}" type="datetimeFigureOut">
               <a:rPr lang="en-US" smtClean="0"/>
               <a:pPr/>
-              <a:t>10/20/2022</a:t>
+              <a:t>12/14/2022</a:t>
             </a:fld>
             <a:endParaRPr lang="en-US"/>
           </a:p>
@@ -1880,7 +1880,7 @@
             <a:fld id="{1D8BD707-D9CF-40AE-B4C6-C98DA3205C09}" type="datetimeFigureOut">
               <a:rPr lang="en-US" smtClean="0"/>
               <a:pPr/>
-              <a:t>10/20/2022</a:t>
+              <a:t>12/14/2022</a:t>
             </a:fld>
             <a:endParaRPr lang="en-US"/>
           </a:p>
@@ -1972,7 +1972,7 @@
             <a:fld id="{1D8BD707-D9CF-40AE-B4C6-C98DA3205C09}" type="datetimeFigureOut">
               <a:rPr lang="en-US" smtClean="0"/>
               <a:pPr/>
-              <a:t>10/20/2022</a:t>
+              <a:t>12/14/2022</a:t>
             </a:fld>
             <a:endParaRPr lang="en-US"/>
           </a:p>
@@ -2244,7 +2244,7 @@
             <a:fld id="{1D8BD707-D9CF-40AE-B4C6-C98DA3205C09}" type="datetimeFigureOut">
               <a:rPr lang="en-US" smtClean="0"/>
               <a:pPr/>
-              <a:t>10/20/2022</a:t>
+              <a:t>12/14/2022</a:t>
             </a:fld>
             <a:endParaRPr lang="en-US"/>
           </a:p>
@@ -2493,7 +2493,7 @@
             <a:fld id="{1D8BD707-D9CF-40AE-B4C6-C98DA3205C09}" type="datetimeFigureOut">
               <a:rPr lang="en-US" smtClean="0"/>
               <a:pPr/>
-              <a:t>10/20/2022</a:t>
+              <a:t>12/14/2022</a:t>
             </a:fld>
             <a:endParaRPr lang="en-US"/>
           </a:p>
@@ -2710,7 +2710,7 @@
             <a:fld id="{1D8BD707-D9CF-40AE-B4C6-C98DA3205C09}" type="datetimeFigureOut">
               <a:rPr lang="en-US" smtClean="0"/>
               <a:pPr/>
-              <a:t>10/20/2022</a:t>
+              <a:t>12/14/2022</a:t>
             </a:fld>
             <a:endParaRPr lang="en-US"/>
           </a:p>
